--- a/lectures/6/1_Designing the Data Collection Form for Communication Data.pptx
+++ b/lectures/6/1_Designing the Data Collection Form for Communication Data.pptx
@@ -6816,7 +6816,7 @@
           <a:p>
             <a:fld id="{73B2889B-A0AC-4482-8592-5C96F2309420}" type="datetimeFigureOut">
               <a:rPr lang="en-US" smtClean="0"/>
-              <a:t>9/26/2021</a:t>
+              <a:t>9/27/2021</a:t>
             </a:fld>
             <a:endParaRPr lang="en-US"/>
           </a:p>
@@ -6993,7 +6993,7 @@
           <a:p>
             <a:fld id="{830EB223-FFC0-462A-A3B8-EAA7CE0F8CBD}" type="datetimeFigureOut">
               <a:rPr lang="en-US" smtClean="0"/>
-              <a:t>9/26/2021</a:t>
+              <a:t>9/27/2021</a:t>
             </a:fld>
             <a:endParaRPr lang="en-US" dirty="0"/>
           </a:p>
@@ -8855,7 +8855,31 @@
           <a:p>
             <a:r>
               <a:rPr lang="en-US" dirty="0"/>
-              <a:t>Another alternative is to ask for general rather than specific information. For example, </a:t>
+              <a:t>Another alternative is to ask for general rather than specific information. For example, instead of proving a precise answer regarding customers’ salaries, you can ask them check one of the boxes like making less than </a:t>
+            </a:r>
+            <a:r>
+              <a:rPr lang="en-US" dirty="0" err="1"/>
+              <a:t>60K</a:t>
+            </a:r>
+            <a:r>
+              <a:rPr lang="en-US" dirty="0"/>
+              <a:t>, </a:t>
+            </a:r>
+            <a:r>
+              <a:rPr lang="en-US" dirty="0" err="1"/>
+              <a:t>60K-120K</a:t>
+            </a:r>
+            <a:r>
+              <a:rPr lang="en-US" dirty="0"/>
+              <a:t>, and more than </a:t>
+            </a:r>
+            <a:r>
+              <a:rPr lang="en-US" dirty="0" err="1"/>
+              <a:t>120K</a:t>
+            </a:r>
+            <a:r>
+              <a:rPr lang="en-US" dirty="0"/>
+              <a:t> </a:t>
             </a:r>
           </a:p>
           <a:p>
@@ -8961,6 +8985,15 @@
             <a:r>
               <a:rPr lang="en-US" dirty="0"/>
               <a:t>There shouldn’t be any question in the quiz regarding this concept, if you encounter one, let me know. </a:t>
+            </a:r>
+          </a:p>
+          <a:p>
+            <a:endParaRPr lang="en-US" dirty="0"/>
+          </a:p>
+          <a:p>
+            <a:r>
+              <a:rPr lang="en-US" dirty="0"/>
+              <a:t>The two answers must be equivalent such as yes/no</a:t>
             </a:r>
           </a:p>
         </p:txBody>
@@ -12662,7 +12695,7 @@
           <a:p>
             <a:fld id="{8A35812F-99AF-4BD4-8243-7B044A17BDDE}" type="datetime1">
               <a:rPr lang="en-US" smtClean="0"/>
-              <a:t>9/26/2021</a:t>
+              <a:t>9/27/2021</a:t>
             </a:fld>
             <a:endParaRPr lang="en-US" dirty="0"/>
           </a:p>
@@ -12864,7 +12897,7 @@
           <a:p>
             <a:fld id="{530C42D9-EDD5-43D7-92FA-0F52DC5285AB}" type="datetime1">
               <a:rPr lang="en-US" smtClean="0"/>
-              <a:t>9/26/2021</a:t>
+              <a:t>9/27/2021</a:t>
             </a:fld>
             <a:endParaRPr lang="en-US" dirty="0"/>
           </a:p>
@@ -13076,7 +13109,7 @@
           <a:p>
             <a:fld id="{009444EE-44E0-4DD0-B923-1C1243ECDF97}" type="datetime1">
               <a:rPr lang="en-US" smtClean="0"/>
-              <a:t>9/26/2021</a:t>
+              <a:t>9/27/2021</a:t>
             </a:fld>
             <a:endParaRPr lang="en-US" dirty="0"/>
           </a:p>
@@ -13278,7 +13311,7 @@
           <a:p>
             <a:fld id="{8E71FAFA-920C-44B1-8F17-951198AEE18E}" type="datetime1">
               <a:rPr lang="en-US" smtClean="0"/>
-              <a:t>9/26/2021</a:t>
+              <a:t>9/27/2021</a:t>
             </a:fld>
             <a:endParaRPr lang="en-US" dirty="0"/>
           </a:p>
@@ -13557,7 +13590,7 @@
           <a:p>
             <a:fld id="{6FFCC8EE-5FE0-42C4-8130-5E264FD441A5}" type="datetime1">
               <a:rPr lang="en-US" smtClean="0"/>
-              <a:t>9/26/2021</a:t>
+              <a:t>9/27/2021</a:t>
             </a:fld>
             <a:endParaRPr lang="en-US" dirty="0"/>
           </a:p>
@@ -13826,7 +13859,7 @@
           <a:p>
             <a:fld id="{D7A7FB71-F2CC-4277-9191-82B4BC1E1FFF}" type="datetime1">
               <a:rPr lang="en-US" smtClean="0"/>
-              <a:t>9/26/2021</a:t>
+              <a:t>9/27/2021</a:t>
             </a:fld>
             <a:endParaRPr lang="en-US" dirty="0"/>
           </a:p>
@@ -14242,7 +14275,7 @@
           <a:p>
             <a:fld id="{BBF5DB8E-2310-4119-A3F5-23B7568B05FB}" type="datetime1">
               <a:rPr lang="en-US" smtClean="0"/>
-              <a:t>9/26/2021</a:t>
+              <a:t>9/27/2021</a:t>
             </a:fld>
             <a:endParaRPr lang="en-US" dirty="0"/>
           </a:p>
@@ -14387,7 +14420,7 @@
           <a:p>
             <a:fld id="{0220506B-3ADF-4BF8-A7AA-A2C4CF75112F}" type="datetime1">
               <a:rPr lang="en-US" smtClean="0"/>
-              <a:t>9/26/2021</a:t>
+              <a:t>9/27/2021</a:t>
             </a:fld>
             <a:endParaRPr lang="en-US" dirty="0"/>
           </a:p>
@@ -14504,7 +14537,7 @@
           <a:p>
             <a:fld id="{1831213C-DB0E-449F-BA2E-95219C383337}" type="datetime1">
               <a:rPr lang="en-US" smtClean="0"/>
-              <a:t>9/26/2021</a:t>
+              <a:t>9/27/2021</a:t>
             </a:fld>
             <a:endParaRPr lang="en-US" dirty="0"/>
           </a:p>
@@ -14819,7 +14852,7 @@
           <a:p>
             <a:fld id="{ADBD0578-94DB-41D7-A161-2B6CA42CED96}" type="datetime1">
               <a:rPr lang="en-US" smtClean="0"/>
-              <a:t>9/26/2021</a:t>
+              <a:t>9/27/2021</a:t>
             </a:fld>
             <a:endParaRPr lang="en-US" dirty="0"/>
           </a:p>
@@ -15115,7 +15148,7 @@
           <a:p>
             <a:fld id="{568D8D1C-7B2C-4563-B607-3FCE61C2D7DA}" type="datetime1">
               <a:rPr lang="en-US" smtClean="0"/>
-              <a:t>9/26/2021</a:t>
+              <a:t>9/27/2021</a:t>
             </a:fld>
             <a:endParaRPr lang="en-US" dirty="0"/>
           </a:p>
@@ -15360,7 +15393,7 @@
           <a:p>
             <a:fld id="{70238022-1F1B-45F8-87A0-F3D2B3E84BE9}" type="datetime1">
               <a:rPr lang="en-US" smtClean="0"/>
-              <a:t>9/26/2021</a:t>
+              <a:t>9/27/2021</a:t>
             </a:fld>
             <a:endParaRPr lang="en-US" dirty="0"/>
           </a:p>
@@ -45687,6 +45720,23 @@
 </file>
 
 <file path=customXml/item1.xml><?xml version="1.0" encoding="utf-8"?>
+<p:properties xmlns:p="http://schemas.microsoft.com/office/2006/metadata/properties" xmlns:xsi="http://www.w3.org/2001/XMLSchema-instance" xmlns:pc="http://schemas.microsoft.com/office/infopath/2007/PartnerControls">
+  <documentManagement>
+    <MediaServiceKeyPoints xmlns="71af3243-3dd4-4a8d-8c0d-dd76da1f02a5" xsi:nil="true"/>
+  </documentManagement>
+</p:properties>
+</file>
+
+<file path=customXml/item2.xml><?xml version="1.0" encoding="utf-8"?>
+<?mso-contentType ?>
+<FormTemplates xmlns="http://schemas.microsoft.com/sharepoint/v3/contenttype/forms">
+  <Display>DocumentLibraryForm</Display>
+  <Edit>DocumentLibraryForm</Edit>
+  <New>DocumentLibraryForm</New>
+</FormTemplates>
+</file>
+
+<file path=customXml/item3.xml><?xml version="1.0" encoding="utf-8"?>
 <ct:contentTypeSchema xmlns:ct="http://schemas.microsoft.com/office/2006/metadata/contentType" xmlns:ma="http://schemas.microsoft.com/office/2006/metadata/properties/metaAttributes" ct:_="" ma:_="" ma:contentTypeName="Document" ma:contentTypeID="0x01010079F111ED35F8CC479449609E8A0923A6" ma:contentTypeVersion="11" ma:contentTypeDescription="Create a new document." ma:contentTypeScope="" ma:versionID="96291512c1ee715ab617f4c07df79fc1">
   <xsd:schema xmlns:xsd="http://www.w3.org/2001/XMLSchema" xmlns:xs="http://www.w3.org/2001/XMLSchema" xmlns:p="http://schemas.microsoft.com/office/2006/metadata/properties" xmlns:ns2="71af3243-3dd4-4a8d-8c0d-dd76da1f02a5" xmlns:ns3="16c05727-aa75-4e4a-9b5f-8a80a1165891" targetNamespace="http://schemas.microsoft.com/office/2006/metadata/properties" ma:root="true" ma:fieldsID="8256c27c40ca5c40ce1cf6c44f0205df" ns2:_="" ns3:_="">
     <xsd:import namespace="71af3243-3dd4-4a8d-8c0d-dd76da1f02a5"/>
@@ -45897,24 +45947,25 @@
 </ct:contentTypeSchema>
 </file>
 
-<file path=customXml/item2.xml><?xml version="1.0" encoding="utf-8"?>
-<p:properties xmlns:p="http://schemas.microsoft.com/office/2006/metadata/properties" xmlns:xsi="http://www.w3.org/2001/XMLSchema-instance" xmlns:pc="http://schemas.microsoft.com/office/infopath/2007/PartnerControls">
-  <documentManagement>
-    <MediaServiceKeyPoints xmlns="71af3243-3dd4-4a8d-8c0d-dd76da1f02a5" xsi:nil="true"/>
-  </documentManagement>
-</p:properties>
+<file path=customXml/itemProps1.xml><?xml version="1.0" encoding="utf-8"?>
+<ds:datastoreItem xmlns:ds="http://schemas.openxmlformats.org/officeDocument/2006/customXml" ds:itemID="{03C7D9E6-B0D9-433E-BD46-EB60F64F4DA8}">
+  <ds:schemaRefs>
+    <ds:schemaRef ds:uri="http://schemas.microsoft.com/office/2006/metadata/properties"/>
+    <ds:schemaRef ds:uri="http://schemas.microsoft.com/office/infopath/2007/PartnerControls"/>
+    <ds:schemaRef ds:uri="71af3243-3dd4-4a8d-8c0d-dd76da1f02a5"/>
+  </ds:schemaRefs>
+</ds:datastoreItem>
 </file>
 
-<file path=customXml/item3.xml><?xml version="1.0" encoding="utf-8"?>
-<?mso-contentType ?>
-<FormTemplates xmlns="http://schemas.microsoft.com/sharepoint/v3/contenttype/forms">
-  <Display>DocumentLibraryForm</Display>
-  <Edit>DocumentLibraryForm</Edit>
-  <New>DocumentLibraryForm</New>
-</FormTemplates>
+<file path=customXml/itemProps2.xml><?xml version="1.0" encoding="utf-8"?>
+<ds:datastoreItem xmlns:ds="http://schemas.openxmlformats.org/officeDocument/2006/customXml" ds:itemID="{5CA875DA-F9FD-4F83-A049-3B1027B542DE}">
+  <ds:schemaRefs>
+    <ds:schemaRef ds:uri="http://schemas.microsoft.com/sharepoint/v3/contenttype/forms"/>
+  </ds:schemaRefs>
+</ds:datastoreItem>
 </file>
 
-<file path=customXml/itemProps1.xml><?xml version="1.0" encoding="utf-8"?>
+<file path=customXml/itemProps3.xml><?xml version="1.0" encoding="utf-8"?>
 <ds:datastoreItem xmlns:ds="http://schemas.openxmlformats.org/officeDocument/2006/customXml" ds:itemID="{B2AB02E3-5ADF-4BF0-9C1B-35CDF3FE95B0}">
   <ds:schemaRefs>
     <ds:schemaRef ds:uri="http://schemas.microsoft.com/office/2006/metadata/contentType"/>
@@ -45931,22 +45982,4 @@
     <ds:schemaRef ds:uri="http://schemas.microsoft.com/internal/obd"/>
   </ds:schemaRefs>
 </ds:datastoreItem>
-</file>
-
-<file path=customXml/itemProps2.xml><?xml version="1.0" encoding="utf-8"?>
-<ds:datastoreItem xmlns:ds="http://schemas.openxmlformats.org/officeDocument/2006/customXml" ds:itemID="{03C7D9E6-B0D9-433E-BD46-EB60F64F4DA8}">
-  <ds:schemaRefs>
-    <ds:schemaRef ds:uri="http://schemas.microsoft.com/office/2006/metadata/properties"/>
-    <ds:schemaRef ds:uri="http://schemas.microsoft.com/office/infopath/2007/PartnerControls"/>
-    <ds:schemaRef ds:uri="71af3243-3dd4-4a8d-8c0d-dd76da1f02a5"/>
-  </ds:schemaRefs>
-</ds:datastoreItem>
-</file>
-
-<file path=customXml/itemProps3.xml><?xml version="1.0" encoding="utf-8"?>
-<ds:datastoreItem xmlns:ds="http://schemas.openxmlformats.org/officeDocument/2006/customXml" ds:itemID="{5CA875DA-F9FD-4F83-A049-3B1027B542DE}">
-  <ds:schemaRefs>
-    <ds:schemaRef ds:uri="http://schemas.microsoft.com/sharepoint/v3/contenttype/forms"/>
-  </ds:schemaRefs>
-</ds:datastoreItem>
 </file>
--- a/lectures/6/1_Designing the Data Collection Form for Communication Data.pptx
+++ b/lectures/6/1_Designing the Data Collection Form for Communication Data.pptx
@@ -5,10 +5,10 @@
     <p:sldMasterId id="2147483648" r:id="rId4"/>
   </p:sldMasterIdLst>
   <p:notesMasterIdLst>
-    <p:notesMasterId r:id="rId54"/>
+    <p:notesMasterId r:id="rId55"/>
   </p:notesMasterIdLst>
   <p:handoutMasterIdLst>
-    <p:handoutMasterId r:id="rId55"/>
+    <p:handoutMasterId r:id="rId56"/>
   </p:handoutMasterIdLst>
   <p:sldIdLst>
     <p:sldId id="291" r:id="rId5"/>
@@ -59,7 +59,8 @@
     <p:sldId id="289" r:id="rId50"/>
     <p:sldId id="290" r:id="rId51"/>
     <p:sldId id="305" r:id="rId52"/>
-    <p:sldId id="301" r:id="rId53"/>
+    <p:sldId id="306" r:id="rId53"/>
+    <p:sldId id="301" r:id="rId54"/>
   </p:sldIdLst>
   <p:sldSz cx="12192000" cy="6858000"/>
   <p:notesSz cx="6858000" cy="9144000"/>
@@ -12080,7 +12081,7 @@
           <a:p>
             <a:fld id="{BC849E9A-41F7-4779-A581-48A7C374A227}" type="slidenum">
               <a:rPr lang="en-US" smtClean="0"/>
-              <a:t>49</a:t>
+              <a:t>50</a:t>
             </a:fld>
             <a:endParaRPr lang="en-US" dirty="0"/>
           </a:p>
@@ -41308,6 +41309,841 @@
           <a:chExt cx="0" cy="0"/>
         </a:xfrm>
       </p:grpSpPr>
+      <p:sp>
+        <p:nvSpPr>
+          <p:cNvPr id="12" name="Rectangle 11">
+            <a:extLst>
+              <a:ext uri="{FF2B5EF4-FFF2-40B4-BE49-F238E27FC236}">
+                <a16:creationId xmlns:a16="http://schemas.microsoft.com/office/drawing/2014/main" id="{2643BE6C-86B7-4AB9-91E8-9B5DB45AC8EA}"/>
+              </a:ext>
+              <a:ext uri="{C183D7F6-B498-43B3-948B-1728B52AA6E4}">
+                <adec:decorative xmlns:adec="http://schemas.microsoft.com/office/drawing/2017/decorative" val="1"/>
+              </a:ext>
+            </a:extLst>
+          </p:cNvPr>
+          <p:cNvSpPr>
+            <a:spLocks noGrp="1" noRot="1" noChangeAspect="1" noMove="1" noResize="1" noEditPoints="1" noAdjustHandles="1" noChangeArrowheads="1" noChangeShapeType="1" noTextEdit="1"/>
+          </p:cNvSpPr>
+          <p:nvPr>
+            <p:extLst>
+              <p:ext uri="{386F3935-93C4-4BCD-93E2-E3B085C9AB24}">
+                <p16:designElem xmlns:p16="http://schemas.microsoft.com/office/powerpoint/2015/main" val="1"/>
+              </p:ext>
+            </p:extLst>
+          </p:nvPr>
+        </p:nvSpPr>
+        <p:spPr>
+          <a:xfrm>
+            <a:off x="1588" y="0"/>
+            <a:ext cx="12188825" cy="4242816"/>
+          </a:xfrm>
+          <a:prstGeom prst="rect">
+            <a:avLst/>
+          </a:prstGeom>
+          <a:solidFill>
+            <a:schemeClr val="accent1"/>
+          </a:solidFill>
+          <a:ln>
+            <a:noFill/>
+          </a:ln>
+        </p:spPr>
+        <p:style>
+          <a:lnRef idx="2">
+            <a:schemeClr val="accent1">
+              <a:shade val="50000"/>
+            </a:schemeClr>
+          </a:lnRef>
+          <a:fillRef idx="1">
+            <a:schemeClr val="accent1"/>
+          </a:fillRef>
+          <a:effectRef idx="0">
+            <a:schemeClr val="accent1"/>
+          </a:effectRef>
+          <a:fontRef idx="minor">
+            <a:schemeClr val="lt1"/>
+          </a:fontRef>
+        </p:style>
+        <p:txBody>
+          <a:bodyPr rtlCol="0" anchor="ctr"/>
+          <a:lstStyle/>
+          <a:p>
+            <a:pPr marL="0" marR="0" lvl="0" indent="0" algn="ctr" defTabSz="914400" rtl="0" eaLnBrk="1" fontAlgn="auto" latinLnBrk="0" hangingPunct="1">
+              <a:lnSpc>
+                <a:spcPct val="100000"/>
+              </a:lnSpc>
+              <a:spcBef>
+                <a:spcPts val="0"/>
+              </a:spcBef>
+              <a:spcAft>
+                <a:spcPts val="0"/>
+              </a:spcAft>
+              <a:buClrTx/>
+              <a:buSzTx/>
+              <a:buFontTx/>
+              <a:buNone/>
+              <a:tabLst/>
+              <a:defRPr/>
+            </a:pPr>
+            <a:endParaRPr kumimoji="0" lang="en-US" sz="1800" b="0" i="0" u="none" strike="noStrike" kern="0" cap="none" spc="0" normalizeH="0" baseline="0" noProof="0">
+              <a:ln>
+                <a:noFill/>
+              </a:ln>
+              <a:solidFill>
+                <a:sysClr val="windowText" lastClr="000000"/>
+              </a:solidFill>
+              <a:effectLst/>
+              <a:uLnTx/>
+              <a:uFillTx/>
+              <a:latin typeface="Calibri" panose="020F0502020204030204"/>
+              <a:ea typeface="+mn-ea"/>
+              <a:cs typeface="+mn-cs"/>
+            </a:endParaRPr>
+          </a:p>
+        </p:txBody>
+      </p:sp>
+      <p:sp>
+        <p:nvSpPr>
+          <p:cNvPr id="2" name="Title 1">
+            <a:extLst>
+              <a:ext uri="{FF2B5EF4-FFF2-40B4-BE49-F238E27FC236}">
+                <a16:creationId xmlns:a16="http://schemas.microsoft.com/office/drawing/2014/main" id="{2E9733E7-7321-48C4-AB3F-465C2BAB0E3C}"/>
+              </a:ext>
+            </a:extLst>
+          </p:cNvPr>
+          <p:cNvSpPr>
+            <a:spLocks noGrp="1"/>
+          </p:cNvSpPr>
+          <p:nvPr>
+            <p:ph type="title"/>
+          </p:nvPr>
+        </p:nvSpPr>
+        <p:spPr>
+          <a:xfrm>
+            <a:off x="1293026" y="713195"/>
+            <a:ext cx="9605948" cy="2318665"/>
+          </a:xfrm>
+        </p:spPr>
+        <p:txBody>
+          <a:bodyPr vert="horz" lIns="91440" tIns="45720" rIns="91440" bIns="45720" rtlCol="0" anchor="b">
+            <a:normAutofit/>
+          </a:bodyPr>
+          <a:lstStyle/>
+          <a:p>
+            <a:pPr algn="ctr"/>
+            <a:r>
+              <a:rPr lang="en-US" sz="5400" kern="1200">
+                <a:solidFill>
+                  <a:srgbClr val="FFFFFF"/>
+                </a:solidFill>
+                <a:latin typeface="+mj-lt"/>
+                <a:ea typeface="+mj-ea"/>
+                <a:cs typeface="+mj-cs"/>
+              </a:rPr>
+              <a:t>15-min Group Discussion</a:t>
+            </a:r>
+          </a:p>
+        </p:txBody>
+      </p:sp>
+      <p:sp>
+        <p:nvSpPr>
+          <p:cNvPr id="3" name="Content Placeholder 2">
+            <a:extLst>
+              <a:ext uri="{FF2B5EF4-FFF2-40B4-BE49-F238E27FC236}">
+                <a16:creationId xmlns:a16="http://schemas.microsoft.com/office/drawing/2014/main" id="{318FC4B2-6709-47C9-98E4-A05785093F3A}"/>
+              </a:ext>
+            </a:extLst>
+          </p:cNvPr>
+          <p:cNvSpPr>
+            <a:spLocks noGrp="1"/>
+          </p:cNvSpPr>
+          <p:nvPr>
+            <p:ph idx="1"/>
+          </p:nvPr>
+        </p:nvSpPr>
+        <p:spPr>
+          <a:xfrm>
+            <a:off x="1627240" y="3031860"/>
+            <a:ext cx="8937522" cy="1059373"/>
+          </a:xfrm>
+        </p:spPr>
+        <p:txBody>
+          <a:bodyPr vert="horz" lIns="91440" tIns="45720" rIns="91440" bIns="45720" rtlCol="0">
+            <a:normAutofit/>
+          </a:bodyPr>
+          <a:lstStyle/>
+          <a:p>
+            <a:pPr marL="0" indent="0" algn="ctr">
+              <a:buNone/>
+            </a:pPr>
+            <a:r>
+              <a:rPr lang="en-US" sz="2400" kern="1200">
+                <a:solidFill>
+                  <a:srgbClr val="FFFFFF"/>
+                </a:solidFill>
+                <a:latin typeface="+mn-lt"/>
+                <a:ea typeface="+mn-ea"/>
+                <a:cs typeface="+mn-cs"/>
+              </a:rPr>
+              <a:t>Assignment 4 (Questionnaire)</a:t>
+            </a:r>
+          </a:p>
+        </p:txBody>
+      </p:sp>
+      <p:pic>
+        <p:nvPicPr>
+          <p:cNvPr id="9" name="Graphic 8" descr="Users">
+            <a:extLst>
+              <a:ext uri="{FF2B5EF4-FFF2-40B4-BE49-F238E27FC236}">
+                <a16:creationId xmlns:a16="http://schemas.microsoft.com/office/drawing/2014/main" id="{3264A9B0-D8BE-4A30-8F8B-B4409D68F057}"/>
+              </a:ext>
+            </a:extLst>
+          </p:cNvPr>
+          <p:cNvPicPr>
+            <a:picLocks noChangeAspect="1"/>
+          </p:cNvPicPr>
+          <p:nvPr/>
+        </p:nvPicPr>
+        <p:blipFill>
+          <a:blip r:embed="rId2">
+            <a:extLst>
+              <a:ext uri="{28A0092B-C50C-407E-A947-70E740481C1C}">
+                <a14:useLocalDpi xmlns:a14="http://schemas.microsoft.com/office/drawing/2010/main" val="0"/>
+              </a:ext>
+              <a:ext uri="{96DAC541-7B7A-43D3-8B79-37D633B846F1}">
+                <asvg:svgBlip xmlns:asvg="http://schemas.microsoft.com/office/drawing/2016/SVG/main" r:embed="rId3"/>
+              </a:ext>
+            </a:extLst>
+          </a:blip>
+          <a:stretch>
+            <a:fillRect/>
+          </a:stretch>
+        </p:blipFill>
+        <p:spPr>
+          <a:xfrm>
+            <a:off x="5506089" y="4805363"/>
+            <a:ext cx="1179824" cy="1179824"/>
+          </a:xfrm>
+          <a:prstGeom prst="rect">
+            <a:avLst/>
+          </a:prstGeom>
+        </p:spPr>
+      </p:pic>
+      <p:sp>
+        <p:nvSpPr>
+          <p:cNvPr id="4" name="Footer Placeholder 3">
+            <a:extLst>
+              <a:ext uri="{FF2B5EF4-FFF2-40B4-BE49-F238E27FC236}">
+                <a16:creationId xmlns:a16="http://schemas.microsoft.com/office/drawing/2014/main" id="{03D2600E-A56C-43B1-9A36-0D6CB8CA60F5}"/>
+              </a:ext>
+            </a:extLst>
+          </p:cNvPr>
+          <p:cNvSpPr>
+            <a:spLocks noGrp="1"/>
+          </p:cNvSpPr>
+          <p:nvPr>
+            <p:ph type="ftr" sz="quarter" idx="11"/>
+          </p:nvPr>
+        </p:nvSpPr>
+        <p:spPr>
+          <a:xfrm>
+            <a:off x="4038600" y="6356350"/>
+            <a:ext cx="4114800" cy="365125"/>
+          </a:xfrm>
+        </p:spPr>
+        <p:txBody>
+          <a:bodyPr vert="horz" lIns="91440" tIns="45720" rIns="91440" bIns="45720" rtlCol="0" anchor="ctr">
+            <a:normAutofit/>
+          </a:bodyPr>
+          <a:lstStyle/>
+          <a:p>
+            <a:pPr>
+              <a:spcAft>
+                <a:spcPts val="600"/>
+              </a:spcAft>
+            </a:pPr>
+            <a:r>
+              <a:rPr lang="en-US" kern="1200">
+                <a:solidFill>
+                  <a:schemeClr val="tx1">
+                    <a:lumMod val="75000"/>
+                    <a:lumOff val="25000"/>
+                  </a:schemeClr>
+                </a:solidFill>
+                <a:latin typeface="+mn-lt"/>
+                <a:ea typeface="+mn-ea"/>
+                <a:cs typeface="+mn-cs"/>
+              </a:rPr>
+              <a:t>Mike Nguyen</a:t>
+            </a:r>
+          </a:p>
+        </p:txBody>
+      </p:sp>
+      <p:sp>
+        <p:nvSpPr>
+          <p:cNvPr id="5" name="Slide Number Placeholder 4">
+            <a:extLst>
+              <a:ext uri="{FF2B5EF4-FFF2-40B4-BE49-F238E27FC236}">
+                <a16:creationId xmlns:a16="http://schemas.microsoft.com/office/drawing/2014/main" id="{E8630E7D-0B27-49C8-8852-51EE80301801}"/>
+              </a:ext>
+            </a:extLst>
+          </p:cNvPr>
+          <p:cNvSpPr>
+            <a:spLocks noGrp="1"/>
+          </p:cNvSpPr>
+          <p:nvPr>
+            <p:ph type="sldNum" sz="quarter" idx="12"/>
+          </p:nvPr>
+        </p:nvSpPr>
+        <p:spPr>
+          <a:xfrm>
+            <a:off x="8610600" y="6356350"/>
+            <a:ext cx="2743200" cy="365125"/>
+          </a:xfrm>
+        </p:spPr>
+        <p:txBody>
+          <a:bodyPr vert="horz" lIns="91440" tIns="45720" rIns="91440" bIns="45720" rtlCol="0" anchor="ctr">
+            <a:normAutofit/>
+          </a:bodyPr>
+          <a:lstStyle/>
+          <a:p>
+            <a:pPr>
+              <a:spcAft>
+                <a:spcPts val="600"/>
+              </a:spcAft>
+            </a:pPr>
+            <a:fld id="{A6AF1B4E-90EC-4A51-B6E5-B702C054ECB0}" type="slidenum">
+              <a:rPr lang="en-US">
+                <a:solidFill>
+                  <a:schemeClr val="tx1">
+                    <a:lumMod val="75000"/>
+                    <a:lumOff val="25000"/>
+                  </a:schemeClr>
+                </a:solidFill>
+              </a:rPr>
+              <a:pPr>
+                <a:spcAft>
+                  <a:spcPts val="600"/>
+                </a:spcAft>
+              </a:pPr>
+              <a:t>49</a:t>
+            </a:fld>
+            <a:endParaRPr lang="en-US">
+              <a:solidFill>
+                <a:schemeClr val="tx1">
+                  <a:lumMod val="75000"/>
+                  <a:lumOff val="25000"/>
+                </a:schemeClr>
+              </a:solidFill>
+            </a:endParaRPr>
+          </a:p>
+        </p:txBody>
+      </p:sp>
+    </p:spTree>
+    <p:extLst>
+      <p:ext uri="{BB962C8B-B14F-4D97-AF65-F5344CB8AC3E}">
+        <p14:creationId xmlns:p14="http://schemas.microsoft.com/office/powerpoint/2010/main" val="892002962"/>
+      </p:ext>
+    </p:extLst>
+  </p:cSld>
+  <p:clrMapOvr>
+    <a:masterClrMapping/>
+  </p:clrMapOvr>
+</p:sld>
+</file>
+
+<file path=ppt/slides/slide5.xml><?xml version="1.0" encoding="utf-8"?>
+<p:sld xmlns:a="http://schemas.openxmlformats.org/drawingml/2006/main" xmlns:r="http://schemas.openxmlformats.org/officeDocument/2006/relationships" xmlns:p="http://schemas.openxmlformats.org/presentationml/2006/main">
+  <p:cSld>
+    <p:bg>
+      <p:bgPr>
+        <a:solidFill>
+          <a:schemeClr val="bg1"/>
+        </a:solidFill>
+        <a:effectLst/>
+      </p:bgPr>
+    </p:bg>
+    <p:spTree>
+      <p:nvGrpSpPr>
+        <p:cNvPr id="1" name=""/>
+        <p:cNvGrpSpPr/>
+        <p:nvPr/>
+      </p:nvGrpSpPr>
+      <p:grpSpPr>
+        <a:xfrm>
+          <a:off x="0" y="0"/>
+          <a:ext cx="0" cy="0"/>
+          <a:chOff x="0" y="0"/>
+          <a:chExt cx="0" cy="0"/>
+        </a:xfrm>
+      </p:grpSpPr>
+      <p:sp useBgFill="1">
+        <p:nvSpPr>
+          <p:cNvPr id="10" name="Rectangle 9">
+            <a:extLst>
+              <a:ext uri="{FF2B5EF4-FFF2-40B4-BE49-F238E27FC236}">
+                <a16:creationId xmlns:a16="http://schemas.microsoft.com/office/drawing/2014/main" id="{907EF6B7-1338-4443-8C46-6A318D952DFD}"/>
+              </a:ext>
+              <a:ext uri="{C183D7F6-B498-43B3-948B-1728B52AA6E4}">
+                <adec:decorative xmlns:adec="http://schemas.microsoft.com/office/drawing/2017/decorative" val="1"/>
+              </a:ext>
+            </a:extLst>
+          </p:cNvPr>
+          <p:cNvSpPr>
+            <a:spLocks noGrp="1" noRot="1" noChangeAspect="1" noMove="1" noResize="1" noEditPoints="1" noAdjustHandles="1" noChangeArrowheads="1" noChangeShapeType="1" noTextEdit="1"/>
+          </p:cNvSpPr>
+          <p:nvPr>
+            <p:extLst>
+              <p:ext uri="{386F3935-93C4-4BCD-93E2-E3B085C9AB24}">
+                <p16:designElem xmlns:p16="http://schemas.microsoft.com/office/powerpoint/2015/main" val="1"/>
+              </p:ext>
+            </p:extLst>
+          </p:nvPr>
+        </p:nvSpPr>
+        <p:spPr>
+          <a:xfrm>
+            <a:off x="3048" y="0"/>
+            <a:ext cx="12188952" cy="6858000"/>
+          </a:xfrm>
+          <a:prstGeom prst="rect">
+            <a:avLst/>
+          </a:prstGeom>
+          <a:ln>
+            <a:noFill/>
+          </a:ln>
+        </p:spPr>
+        <p:style>
+          <a:lnRef idx="2">
+            <a:schemeClr val="accent1">
+              <a:shade val="50000"/>
+            </a:schemeClr>
+          </a:lnRef>
+          <a:fillRef idx="1">
+            <a:schemeClr val="accent1"/>
+          </a:fillRef>
+          <a:effectRef idx="0">
+            <a:schemeClr val="accent1"/>
+          </a:effectRef>
+          <a:fontRef idx="minor">
+            <a:schemeClr val="lt1"/>
+          </a:fontRef>
+        </p:style>
+        <p:txBody>
+          <a:bodyPr rtlCol="0" anchor="ctr"/>
+          <a:lstStyle/>
+          <a:p>
+            <a:pPr algn="ctr"/>
+            <a:endParaRPr lang="en-US"/>
+          </a:p>
+        </p:txBody>
+      </p:sp>
+      <p:sp>
+        <p:nvSpPr>
+          <p:cNvPr id="12" name="Freeform: Shape 11">
+            <a:extLst>
+              <a:ext uri="{FF2B5EF4-FFF2-40B4-BE49-F238E27FC236}">
+                <a16:creationId xmlns:a16="http://schemas.microsoft.com/office/drawing/2014/main" id="{DAAE4CDD-124C-4DCF-9584-B6033B545DD5}"/>
+              </a:ext>
+              <a:ext uri="{C183D7F6-B498-43B3-948B-1728B52AA6E4}">
+                <adec:decorative xmlns:adec="http://schemas.microsoft.com/office/drawing/2017/decorative" val="1"/>
+              </a:ext>
+            </a:extLst>
+          </p:cNvPr>
+          <p:cNvSpPr>
+            <a:spLocks noGrp="1" noRot="1" noChangeAspect="1" noMove="1" noResize="1" noEditPoints="1" noAdjustHandles="1" noChangeArrowheads="1" noChangeShapeType="1" noTextEdit="1"/>
+          </p:cNvSpPr>
+          <p:nvPr>
+            <p:extLst>
+              <p:ext uri="{386F3935-93C4-4BCD-93E2-E3B085C9AB24}">
+                <p16:designElem xmlns:p16="http://schemas.microsoft.com/office/powerpoint/2015/main" val="1"/>
+              </p:ext>
+            </p:extLst>
+          </p:nvPr>
+        </p:nvSpPr>
+        <p:spPr>
+          <a:xfrm>
+            <a:off x="1" y="0"/>
+            <a:ext cx="4167271" cy="6858000"/>
+          </a:xfrm>
+          <a:custGeom>
+            <a:avLst/>
+            <a:gdLst>
+              <a:gd name="connsiteX0" fmla="*/ 0 w 4167271"/>
+              <a:gd name="connsiteY0" fmla="*/ 0 h 6858000"/>
+              <a:gd name="connsiteX1" fmla="*/ 2259550 w 4167271"/>
+              <a:gd name="connsiteY1" fmla="*/ 0 h 6858000"/>
+              <a:gd name="connsiteX2" fmla="*/ 2387803 w 4167271"/>
+              <a:gd name="connsiteY2" fmla="*/ 82222 h 6858000"/>
+              <a:gd name="connsiteX3" fmla="*/ 4167271 w 4167271"/>
+              <a:gd name="connsiteY3" fmla="*/ 3429000 h 6858000"/>
+              <a:gd name="connsiteX4" fmla="*/ 2387803 w 4167271"/>
+              <a:gd name="connsiteY4" fmla="*/ 6775779 h 6858000"/>
+              <a:gd name="connsiteX5" fmla="*/ 2259550 w 4167271"/>
+              <a:gd name="connsiteY5" fmla="*/ 6858000 h 6858000"/>
+              <a:gd name="connsiteX6" fmla="*/ 0 w 4167271"/>
+              <a:gd name="connsiteY6" fmla="*/ 6858000 h 6858000"/>
+            </a:gdLst>
+            <a:ahLst/>
+            <a:cxnLst>
+              <a:cxn ang="0">
+                <a:pos x="connsiteX0" y="connsiteY0"/>
+              </a:cxn>
+              <a:cxn ang="0">
+                <a:pos x="connsiteX1" y="connsiteY1"/>
+              </a:cxn>
+              <a:cxn ang="0">
+                <a:pos x="connsiteX2" y="connsiteY2"/>
+              </a:cxn>
+              <a:cxn ang="0">
+                <a:pos x="connsiteX3" y="connsiteY3"/>
+              </a:cxn>
+              <a:cxn ang="0">
+                <a:pos x="connsiteX4" y="connsiteY4"/>
+              </a:cxn>
+              <a:cxn ang="0">
+                <a:pos x="connsiteX5" y="connsiteY5"/>
+              </a:cxn>
+              <a:cxn ang="0">
+                <a:pos x="connsiteX6" y="connsiteY6"/>
+              </a:cxn>
+            </a:cxnLst>
+            <a:rect l="l" t="t" r="r" b="b"/>
+            <a:pathLst>
+              <a:path w="4167271" h="6858000">
+                <a:moveTo>
+                  <a:pt x="0" y="0"/>
+                </a:moveTo>
+                <a:lnTo>
+                  <a:pt x="2259550" y="0"/>
+                </a:lnTo>
+                <a:lnTo>
+                  <a:pt x="2387803" y="82222"/>
+                </a:lnTo>
+                <a:cubicBezTo>
+                  <a:pt x="3461407" y="807534"/>
+                  <a:pt x="4167271" y="2035835"/>
+                  <a:pt x="4167271" y="3429000"/>
+                </a:cubicBezTo>
+                <a:cubicBezTo>
+                  <a:pt x="4167271" y="4822165"/>
+                  <a:pt x="3461407" y="6050467"/>
+                  <a:pt x="2387803" y="6775779"/>
+                </a:cubicBezTo>
+                <a:lnTo>
+                  <a:pt x="2259550" y="6858000"/>
+                </a:lnTo>
+                <a:lnTo>
+                  <a:pt x="0" y="6858000"/>
+                </a:lnTo>
+                <a:close/>
+              </a:path>
+            </a:pathLst>
+          </a:custGeom>
+          <a:solidFill>
+            <a:schemeClr val="accent2"/>
+          </a:solidFill>
+          <a:ln>
+            <a:noFill/>
+          </a:ln>
+        </p:spPr>
+        <p:style>
+          <a:lnRef idx="2">
+            <a:schemeClr val="accent1">
+              <a:shade val="50000"/>
+            </a:schemeClr>
+          </a:lnRef>
+          <a:fillRef idx="1">
+            <a:schemeClr val="accent1"/>
+          </a:fillRef>
+          <a:effectRef idx="0">
+            <a:schemeClr val="accent1"/>
+          </a:effectRef>
+          <a:fontRef idx="minor">
+            <a:schemeClr val="lt1"/>
+          </a:fontRef>
+        </p:style>
+        <p:txBody>
+          <a:bodyPr rtlCol="0" anchor="ctr"/>
+          <a:lstStyle/>
+          <a:p>
+            <a:pPr algn="ctr"/>
+            <a:endParaRPr lang="en-US"/>
+          </a:p>
+        </p:txBody>
+      </p:sp>
+      <p:sp>
+        <p:nvSpPr>
+          <p:cNvPr id="2" name="Title 1">
+            <a:extLst>
+              <a:ext uri="{FF2B5EF4-FFF2-40B4-BE49-F238E27FC236}">
+                <a16:creationId xmlns:a16="http://schemas.microsoft.com/office/drawing/2014/main" id="{739A5689-67C0-4878-B2F1-40C4A6974A14}"/>
+              </a:ext>
+            </a:extLst>
+          </p:cNvPr>
+          <p:cNvSpPr>
+            <a:spLocks noGrp="1"/>
+          </p:cNvSpPr>
+          <p:nvPr>
+            <p:ph type="title"/>
+          </p:nvPr>
+        </p:nvSpPr>
+        <p:spPr>
+          <a:xfrm>
+            <a:off x="686834" y="1153572"/>
+            <a:ext cx="3200400" cy="4461163"/>
+          </a:xfrm>
+        </p:spPr>
+        <p:txBody>
+          <a:bodyPr>
+            <a:normAutofit/>
+          </a:bodyPr>
+          <a:lstStyle/>
+          <a:p>
+            <a:r>
+              <a:rPr lang="en-US">
+                <a:solidFill>
+                  <a:srgbClr val="FFFFFF"/>
+                </a:solidFill>
+              </a:rPr>
+              <a:t>iClicker Question</a:t>
+            </a:r>
+          </a:p>
+        </p:txBody>
+      </p:sp>
+      <p:sp>
+        <p:nvSpPr>
+          <p:cNvPr id="14" name="Arc 13">
+            <a:extLst>
+              <a:ext uri="{FF2B5EF4-FFF2-40B4-BE49-F238E27FC236}">
+                <a16:creationId xmlns:a16="http://schemas.microsoft.com/office/drawing/2014/main" id="{081E4A58-353D-44AE-B2FC-2A74E2E400F7}"/>
+              </a:ext>
+              <a:ext uri="{C183D7F6-B498-43B3-948B-1728B52AA6E4}">
+                <adec:decorative xmlns:adec="http://schemas.microsoft.com/office/drawing/2017/decorative" val="1"/>
+              </a:ext>
+            </a:extLst>
+          </p:cNvPr>
+          <p:cNvSpPr>
+            <a:spLocks noGrp="1" noRot="1" noChangeAspect="1" noMove="1" noResize="1" noEditPoints="1" noAdjustHandles="1" noChangeArrowheads="1" noChangeShapeType="1" noTextEdit="1"/>
+          </p:cNvSpPr>
+          <p:nvPr>
+            <p:extLst>
+              <p:ext uri="{386F3935-93C4-4BCD-93E2-E3B085C9AB24}">
+                <p16:designElem xmlns:p16="http://schemas.microsoft.com/office/powerpoint/2015/main" val="1"/>
+              </p:ext>
+            </p:extLst>
+          </p:nvPr>
+        </p:nvSpPr>
+        <p:spPr>
+          <a:xfrm flipV="1">
+            <a:off x="7550402" y="2455479"/>
+            <a:ext cx="4083433" cy="4083433"/>
+          </a:xfrm>
+          <a:prstGeom prst="arc">
+            <a:avLst/>
+          </a:prstGeom>
+          <a:ln w="127000" cap="rnd">
+            <a:solidFill>
+              <a:schemeClr val="accent4"/>
+            </a:solidFill>
+            <a:prstDash val="dash"/>
+          </a:ln>
+        </p:spPr>
+        <p:style>
+          <a:lnRef idx="1">
+            <a:schemeClr val="accent1"/>
+          </a:lnRef>
+          <a:fillRef idx="0">
+            <a:schemeClr val="accent1"/>
+          </a:fillRef>
+          <a:effectRef idx="0">
+            <a:schemeClr val="accent1"/>
+          </a:effectRef>
+          <a:fontRef idx="minor">
+            <a:schemeClr val="tx1"/>
+          </a:fontRef>
+        </p:style>
+        <p:txBody>
+          <a:bodyPr rtlCol="0" anchor="ctr"/>
+          <a:lstStyle/>
+          <a:p>
+            <a:pPr algn="ctr"/>
+            <a:endParaRPr lang="en-US" dirty="0"/>
+          </a:p>
+        </p:txBody>
+      </p:sp>
+      <p:sp>
+        <p:nvSpPr>
+          <p:cNvPr id="3" name="Content Placeholder 2">
+            <a:extLst>
+              <a:ext uri="{FF2B5EF4-FFF2-40B4-BE49-F238E27FC236}">
+                <a16:creationId xmlns:a16="http://schemas.microsoft.com/office/drawing/2014/main" id="{A1430109-DCDB-4714-BFEE-10E62014C358}"/>
+              </a:ext>
+            </a:extLst>
+          </p:cNvPr>
+          <p:cNvSpPr>
+            <a:spLocks noGrp="1"/>
+          </p:cNvSpPr>
+          <p:nvPr>
+            <p:ph idx="1"/>
+          </p:nvPr>
+        </p:nvSpPr>
+        <p:spPr>
+          <a:xfrm>
+            <a:off x="4447308" y="591344"/>
+            <a:ext cx="6906491" cy="5585619"/>
+          </a:xfrm>
+        </p:spPr>
+        <p:txBody>
+          <a:bodyPr anchor="ctr">
+            <a:normAutofit/>
+          </a:bodyPr>
+          <a:lstStyle/>
+          <a:p>
+            <a:pPr marL="0" indent="0">
+              <a:buNone/>
+            </a:pPr>
+            <a:r>
+              <a:rPr lang="en-US" dirty="0"/>
+              <a:t>There is a true 0 in ratio scale, while interval scale has only an arbitrary 0</a:t>
+            </a:r>
+          </a:p>
+          <a:p>
+            <a:r>
+              <a:rPr lang="en-US" dirty="0"/>
+              <a:t>TRUE</a:t>
+            </a:r>
+          </a:p>
+          <a:p>
+            <a:r>
+              <a:rPr lang="en-US" dirty="0"/>
+              <a:t>FALSE</a:t>
+            </a:r>
+          </a:p>
+        </p:txBody>
+      </p:sp>
+      <p:sp>
+        <p:nvSpPr>
+          <p:cNvPr id="4" name="Footer Placeholder 3">
+            <a:extLst>
+              <a:ext uri="{FF2B5EF4-FFF2-40B4-BE49-F238E27FC236}">
+                <a16:creationId xmlns:a16="http://schemas.microsoft.com/office/drawing/2014/main" id="{B954AE58-F842-4F3F-89A3-60CB8BB5A495}"/>
+              </a:ext>
+            </a:extLst>
+          </p:cNvPr>
+          <p:cNvSpPr>
+            <a:spLocks noGrp="1"/>
+          </p:cNvSpPr>
+          <p:nvPr>
+            <p:ph type="ftr" sz="quarter" idx="11"/>
+          </p:nvPr>
+        </p:nvSpPr>
+        <p:spPr>
+          <a:xfrm>
+            <a:off x="4038600" y="6356350"/>
+            <a:ext cx="5251174" cy="365125"/>
+          </a:xfrm>
+        </p:spPr>
+        <p:txBody>
+          <a:bodyPr>
+            <a:normAutofit/>
+          </a:bodyPr>
+          <a:lstStyle/>
+          <a:p>
+            <a:pPr>
+              <a:spcAft>
+                <a:spcPts val="600"/>
+              </a:spcAft>
+            </a:pPr>
+            <a:r>
+              <a:rPr lang="en-US"/>
+              <a:t>Mike Nguyen</a:t>
+            </a:r>
+          </a:p>
+        </p:txBody>
+      </p:sp>
+      <p:sp>
+        <p:nvSpPr>
+          <p:cNvPr id="5" name="Slide Number Placeholder 4">
+            <a:extLst>
+              <a:ext uri="{FF2B5EF4-FFF2-40B4-BE49-F238E27FC236}">
+                <a16:creationId xmlns:a16="http://schemas.microsoft.com/office/drawing/2014/main" id="{71E0EDB0-C3E8-4BD3-BDD9-5439F940223D}"/>
+              </a:ext>
+            </a:extLst>
+          </p:cNvPr>
+          <p:cNvSpPr>
+            <a:spLocks noGrp="1"/>
+          </p:cNvSpPr>
+          <p:nvPr>
+            <p:ph type="sldNum" sz="quarter" idx="12"/>
+          </p:nvPr>
+        </p:nvSpPr>
+        <p:spPr>
+          <a:xfrm>
+            <a:off x="9541564" y="6356350"/>
+            <a:ext cx="1812235" cy="365125"/>
+          </a:xfrm>
+        </p:spPr>
+        <p:txBody>
+          <a:bodyPr>
+            <a:normAutofit/>
+          </a:bodyPr>
+          <a:lstStyle/>
+          <a:p>
+            <a:pPr>
+              <a:spcAft>
+                <a:spcPts val="600"/>
+              </a:spcAft>
+            </a:pPr>
+            <a:fld id="{A6AF1B4E-90EC-4A51-B6E5-B702C054ECB0}" type="slidenum">
+              <a:rPr lang="en-US" smtClean="0"/>
+              <a:pPr>
+                <a:spcAft>
+                  <a:spcPts val="600"/>
+                </a:spcAft>
+              </a:pPr>
+              <a:t>5</a:t>
+            </a:fld>
+            <a:endParaRPr lang="en-US"/>
+          </a:p>
+        </p:txBody>
+      </p:sp>
+    </p:spTree>
+    <p:extLst>
+      <p:ext uri="{BB962C8B-B14F-4D97-AF65-F5344CB8AC3E}">
+        <p14:creationId xmlns:p14="http://schemas.microsoft.com/office/powerpoint/2010/main" val="2847017794"/>
+      </p:ext>
+    </p:extLst>
+  </p:cSld>
+  <p:clrMapOvr>
+    <a:masterClrMapping/>
+  </p:clrMapOvr>
+</p:sld>
+</file>
+
+<file path=ppt/slides/slide50.xml><?xml version="1.0" encoding="utf-8"?>
+<p:sld xmlns:a="http://schemas.openxmlformats.org/drawingml/2006/main" xmlns:r="http://schemas.openxmlformats.org/officeDocument/2006/relationships" xmlns:p="http://schemas.openxmlformats.org/presentationml/2006/main">
+  <p:cSld>
+    <p:bg>
+      <p:bgPr>
+        <a:solidFill>
+          <a:schemeClr val="bg1"/>
+        </a:solidFill>
+        <a:effectLst/>
+      </p:bgPr>
+    </p:bg>
+    <p:spTree>
+      <p:nvGrpSpPr>
+        <p:cNvPr id="1" name=""/>
+        <p:cNvGrpSpPr/>
+        <p:nvPr/>
+      </p:nvGrpSpPr>
+      <p:grpSpPr>
+        <a:xfrm>
+          <a:off x="0" y="0"/>
+          <a:ext cx="0" cy="0"/>
+          <a:chOff x="0" y="0"/>
+          <a:chExt cx="0" cy="0"/>
+        </a:xfrm>
+      </p:grpSpPr>
       <p:sp useBgFill="1">
         <p:nvSpPr>
           <p:cNvPr id="73" name="Rectangle 72">
@@ -42249,7 +43085,7 @@
                   <a:spcPts val="600"/>
                 </a:spcAft>
               </a:pPr>
-              <a:t>49</a:t>
+              <a:t>50</a:t>
             </a:fld>
             <a:endParaRPr lang="en-US">
               <a:solidFill>
@@ -42263,474 +43099,6 @@
     <p:extLst>
       <p:ext uri="{BB962C8B-B14F-4D97-AF65-F5344CB8AC3E}">
         <p14:creationId xmlns:p14="http://schemas.microsoft.com/office/powerpoint/2010/main" val="3107036992"/>
-      </p:ext>
-    </p:extLst>
-  </p:cSld>
-  <p:clrMapOvr>
-    <a:masterClrMapping/>
-  </p:clrMapOvr>
-</p:sld>
-</file>
-
-<file path=ppt/slides/slide5.xml><?xml version="1.0" encoding="utf-8"?>
-<p:sld xmlns:a="http://schemas.openxmlformats.org/drawingml/2006/main" xmlns:r="http://schemas.openxmlformats.org/officeDocument/2006/relationships" xmlns:p="http://schemas.openxmlformats.org/presentationml/2006/main">
-  <p:cSld>
-    <p:bg>
-      <p:bgPr>
-        <a:solidFill>
-          <a:schemeClr val="bg1"/>
-        </a:solidFill>
-        <a:effectLst/>
-      </p:bgPr>
-    </p:bg>
-    <p:spTree>
-      <p:nvGrpSpPr>
-        <p:cNvPr id="1" name=""/>
-        <p:cNvGrpSpPr/>
-        <p:nvPr/>
-      </p:nvGrpSpPr>
-      <p:grpSpPr>
-        <a:xfrm>
-          <a:off x="0" y="0"/>
-          <a:ext cx="0" cy="0"/>
-          <a:chOff x="0" y="0"/>
-          <a:chExt cx="0" cy="0"/>
-        </a:xfrm>
-      </p:grpSpPr>
-      <p:sp useBgFill="1">
-        <p:nvSpPr>
-          <p:cNvPr id="10" name="Rectangle 9">
-            <a:extLst>
-              <a:ext uri="{FF2B5EF4-FFF2-40B4-BE49-F238E27FC236}">
-                <a16:creationId xmlns:a16="http://schemas.microsoft.com/office/drawing/2014/main" id="{907EF6B7-1338-4443-8C46-6A318D952DFD}"/>
-              </a:ext>
-              <a:ext uri="{C183D7F6-B498-43B3-948B-1728B52AA6E4}">
-                <adec:decorative xmlns:adec="http://schemas.microsoft.com/office/drawing/2017/decorative" val="1"/>
-              </a:ext>
-            </a:extLst>
-          </p:cNvPr>
-          <p:cNvSpPr>
-            <a:spLocks noGrp="1" noRot="1" noChangeAspect="1" noMove="1" noResize="1" noEditPoints="1" noAdjustHandles="1" noChangeArrowheads="1" noChangeShapeType="1" noTextEdit="1"/>
-          </p:cNvSpPr>
-          <p:nvPr>
-            <p:extLst>
-              <p:ext uri="{386F3935-93C4-4BCD-93E2-E3B085C9AB24}">
-                <p16:designElem xmlns:p16="http://schemas.microsoft.com/office/powerpoint/2015/main" val="1"/>
-              </p:ext>
-            </p:extLst>
-          </p:nvPr>
-        </p:nvSpPr>
-        <p:spPr>
-          <a:xfrm>
-            <a:off x="3048" y="0"/>
-            <a:ext cx="12188952" cy="6858000"/>
-          </a:xfrm>
-          <a:prstGeom prst="rect">
-            <a:avLst/>
-          </a:prstGeom>
-          <a:ln>
-            <a:noFill/>
-          </a:ln>
-        </p:spPr>
-        <p:style>
-          <a:lnRef idx="2">
-            <a:schemeClr val="accent1">
-              <a:shade val="50000"/>
-            </a:schemeClr>
-          </a:lnRef>
-          <a:fillRef idx="1">
-            <a:schemeClr val="accent1"/>
-          </a:fillRef>
-          <a:effectRef idx="0">
-            <a:schemeClr val="accent1"/>
-          </a:effectRef>
-          <a:fontRef idx="minor">
-            <a:schemeClr val="lt1"/>
-          </a:fontRef>
-        </p:style>
-        <p:txBody>
-          <a:bodyPr rtlCol="0" anchor="ctr"/>
-          <a:lstStyle/>
-          <a:p>
-            <a:pPr algn="ctr"/>
-            <a:endParaRPr lang="en-US"/>
-          </a:p>
-        </p:txBody>
-      </p:sp>
-      <p:sp>
-        <p:nvSpPr>
-          <p:cNvPr id="12" name="Freeform: Shape 11">
-            <a:extLst>
-              <a:ext uri="{FF2B5EF4-FFF2-40B4-BE49-F238E27FC236}">
-                <a16:creationId xmlns:a16="http://schemas.microsoft.com/office/drawing/2014/main" id="{DAAE4CDD-124C-4DCF-9584-B6033B545DD5}"/>
-              </a:ext>
-              <a:ext uri="{C183D7F6-B498-43B3-948B-1728B52AA6E4}">
-                <adec:decorative xmlns:adec="http://schemas.microsoft.com/office/drawing/2017/decorative" val="1"/>
-              </a:ext>
-            </a:extLst>
-          </p:cNvPr>
-          <p:cNvSpPr>
-            <a:spLocks noGrp="1" noRot="1" noChangeAspect="1" noMove="1" noResize="1" noEditPoints="1" noAdjustHandles="1" noChangeArrowheads="1" noChangeShapeType="1" noTextEdit="1"/>
-          </p:cNvSpPr>
-          <p:nvPr>
-            <p:extLst>
-              <p:ext uri="{386F3935-93C4-4BCD-93E2-E3B085C9AB24}">
-                <p16:designElem xmlns:p16="http://schemas.microsoft.com/office/powerpoint/2015/main" val="1"/>
-              </p:ext>
-            </p:extLst>
-          </p:nvPr>
-        </p:nvSpPr>
-        <p:spPr>
-          <a:xfrm>
-            <a:off x="1" y="0"/>
-            <a:ext cx="4167271" cy="6858000"/>
-          </a:xfrm>
-          <a:custGeom>
-            <a:avLst/>
-            <a:gdLst>
-              <a:gd name="connsiteX0" fmla="*/ 0 w 4167271"/>
-              <a:gd name="connsiteY0" fmla="*/ 0 h 6858000"/>
-              <a:gd name="connsiteX1" fmla="*/ 2259550 w 4167271"/>
-              <a:gd name="connsiteY1" fmla="*/ 0 h 6858000"/>
-              <a:gd name="connsiteX2" fmla="*/ 2387803 w 4167271"/>
-              <a:gd name="connsiteY2" fmla="*/ 82222 h 6858000"/>
-              <a:gd name="connsiteX3" fmla="*/ 4167271 w 4167271"/>
-              <a:gd name="connsiteY3" fmla="*/ 3429000 h 6858000"/>
-              <a:gd name="connsiteX4" fmla="*/ 2387803 w 4167271"/>
-              <a:gd name="connsiteY4" fmla="*/ 6775779 h 6858000"/>
-              <a:gd name="connsiteX5" fmla="*/ 2259550 w 4167271"/>
-              <a:gd name="connsiteY5" fmla="*/ 6858000 h 6858000"/>
-              <a:gd name="connsiteX6" fmla="*/ 0 w 4167271"/>
-              <a:gd name="connsiteY6" fmla="*/ 6858000 h 6858000"/>
-            </a:gdLst>
-            <a:ahLst/>
-            <a:cxnLst>
-              <a:cxn ang="0">
-                <a:pos x="connsiteX0" y="connsiteY0"/>
-              </a:cxn>
-              <a:cxn ang="0">
-                <a:pos x="connsiteX1" y="connsiteY1"/>
-              </a:cxn>
-              <a:cxn ang="0">
-                <a:pos x="connsiteX2" y="connsiteY2"/>
-              </a:cxn>
-              <a:cxn ang="0">
-                <a:pos x="connsiteX3" y="connsiteY3"/>
-              </a:cxn>
-              <a:cxn ang="0">
-                <a:pos x="connsiteX4" y="connsiteY4"/>
-              </a:cxn>
-              <a:cxn ang="0">
-                <a:pos x="connsiteX5" y="connsiteY5"/>
-              </a:cxn>
-              <a:cxn ang="0">
-                <a:pos x="connsiteX6" y="connsiteY6"/>
-              </a:cxn>
-            </a:cxnLst>
-            <a:rect l="l" t="t" r="r" b="b"/>
-            <a:pathLst>
-              <a:path w="4167271" h="6858000">
-                <a:moveTo>
-                  <a:pt x="0" y="0"/>
-                </a:moveTo>
-                <a:lnTo>
-                  <a:pt x="2259550" y="0"/>
-                </a:lnTo>
-                <a:lnTo>
-                  <a:pt x="2387803" y="82222"/>
-                </a:lnTo>
-                <a:cubicBezTo>
-                  <a:pt x="3461407" y="807534"/>
-                  <a:pt x="4167271" y="2035835"/>
-                  <a:pt x="4167271" y="3429000"/>
-                </a:cubicBezTo>
-                <a:cubicBezTo>
-                  <a:pt x="4167271" y="4822165"/>
-                  <a:pt x="3461407" y="6050467"/>
-                  <a:pt x="2387803" y="6775779"/>
-                </a:cubicBezTo>
-                <a:lnTo>
-                  <a:pt x="2259550" y="6858000"/>
-                </a:lnTo>
-                <a:lnTo>
-                  <a:pt x="0" y="6858000"/>
-                </a:lnTo>
-                <a:close/>
-              </a:path>
-            </a:pathLst>
-          </a:custGeom>
-          <a:solidFill>
-            <a:schemeClr val="accent2"/>
-          </a:solidFill>
-          <a:ln>
-            <a:noFill/>
-          </a:ln>
-        </p:spPr>
-        <p:style>
-          <a:lnRef idx="2">
-            <a:schemeClr val="accent1">
-              <a:shade val="50000"/>
-            </a:schemeClr>
-          </a:lnRef>
-          <a:fillRef idx="1">
-            <a:schemeClr val="accent1"/>
-          </a:fillRef>
-          <a:effectRef idx="0">
-            <a:schemeClr val="accent1"/>
-          </a:effectRef>
-          <a:fontRef idx="minor">
-            <a:schemeClr val="lt1"/>
-          </a:fontRef>
-        </p:style>
-        <p:txBody>
-          <a:bodyPr rtlCol="0" anchor="ctr"/>
-          <a:lstStyle/>
-          <a:p>
-            <a:pPr algn="ctr"/>
-            <a:endParaRPr lang="en-US"/>
-          </a:p>
-        </p:txBody>
-      </p:sp>
-      <p:sp>
-        <p:nvSpPr>
-          <p:cNvPr id="2" name="Title 1">
-            <a:extLst>
-              <a:ext uri="{FF2B5EF4-FFF2-40B4-BE49-F238E27FC236}">
-                <a16:creationId xmlns:a16="http://schemas.microsoft.com/office/drawing/2014/main" id="{739A5689-67C0-4878-B2F1-40C4A6974A14}"/>
-              </a:ext>
-            </a:extLst>
-          </p:cNvPr>
-          <p:cNvSpPr>
-            <a:spLocks noGrp="1"/>
-          </p:cNvSpPr>
-          <p:nvPr>
-            <p:ph type="title"/>
-          </p:nvPr>
-        </p:nvSpPr>
-        <p:spPr>
-          <a:xfrm>
-            <a:off x="686834" y="1153572"/>
-            <a:ext cx="3200400" cy="4461163"/>
-          </a:xfrm>
-        </p:spPr>
-        <p:txBody>
-          <a:bodyPr>
-            <a:normAutofit/>
-          </a:bodyPr>
-          <a:lstStyle/>
-          <a:p>
-            <a:r>
-              <a:rPr lang="en-US">
-                <a:solidFill>
-                  <a:srgbClr val="FFFFFF"/>
-                </a:solidFill>
-              </a:rPr>
-              <a:t>iClicker Question</a:t>
-            </a:r>
-          </a:p>
-        </p:txBody>
-      </p:sp>
-      <p:sp>
-        <p:nvSpPr>
-          <p:cNvPr id="14" name="Arc 13">
-            <a:extLst>
-              <a:ext uri="{FF2B5EF4-FFF2-40B4-BE49-F238E27FC236}">
-                <a16:creationId xmlns:a16="http://schemas.microsoft.com/office/drawing/2014/main" id="{081E4A58-353D-44AE-B2FC-2A74E2E400F7}"/>
-              </a:ext>
-              <a:ext uri="{C183D7F6-B498-43B3-948B-1728B52AA6E4}">
-                <adec:decorative xmlns:adec="http://schemas.microsoft.com/office/drawing/2017/decorative" val="1"/>
-              </a:ext>
-            </a:extLst>
-          </p:cNvPr>
-          <p:cNvSpPr>
-            <a:spLocks noGrp="1" noRot="1" noChangeAspect="1" noMove="1" noResize="1" noEditPoints="1" noAdjustHandles="1" noChangeArrowheads="1" noChangeShapeType="1" noTextEdit="1"/>
-          </p:cNvSpPr>
-          <p:nvPr>
-            <p:extLst>
-              <p:ext uri="{386F3935-93C4-4BCD-93E2-E3B085C9AB24}">
-                <p16:designElem xmlns:p16="http://schemas.microsoft.com/office/powerpoint/2015/main" val="1"/>
-              </p:ext>
-            </p:extLst>
-          </p:nvPr>
-        </p:nvSpPr>
-        <p:spPr>
-          <a:xfrm flipV="1">
-            <a:off x="7550402" y="2455479"/>
-            <a:ext cx="4083433" cy="4083433"/>
-          </a:xfrm>
-          <a:prstGeom prst="arc">
-            <a:avLst/>
-          </a:prstGeom>
-          <a:ln w="127000" cap="rnd">
-            <a:solidFill>
-              <a:schemeClr val="accent4"/>
-            </a:solidFill>
-            <a:prstDash val="dash"/>
-          </a:ln>
-        </p:spPr>
-        <p:style>
-          <a:lnRef idx="1">
-            <a:schemeClr val="accent1"/>
-          </a:lnRef>
-          <a:fillRef idx="0">
-            <a:schemeClr val="accent1"/>
-          </a:fillRef>
-          <a:effectRef idx="0">
-            <a:schemeClr val="accent1"/>
-          </a:effectRef>
-          <a:fontRef idx="minor">
-            <a:schemeClr val="tx1"/>
-          </a:fontRef>
-        </p:style>
-        <p:txBody>
-          <a:bodyPr rtlCol="0" anchor="ctr"/>
-          <a:lstStyle/>
-          <a:p>
-            <a:pPr algn="ctr"/>
-            <a:endParaRPr lang="en-US" dirty="0"/>
-          </a:p>
-        </p:txBody>
-      </p:sp>
-      <p:sp>
-        <p:nvSpPr>
-          <p:cNvPr id="3" name="Content Placeholder 2">
-            <a:extLst>
-              <a:ext uri="{FF2B5EF4-FFF2-40B4-BE49-F238E27FC236}">
-                <a16:creationId xmlns:a16="http://schemas.microsoft.com/office/drawing/2014/main" id="{A1430109-DCDB-4714-BFEE-10E62014C358}"/>
-              </a:ext>
-            </a:extLst>
-          </p:cNvPr>
-          <p:cNvSpPr>
-            <a:spLocks noGrp="1"/>
-          </p:cNvSpPr>
-          <p:nvPr>
-            <p:ph idx="1"/>
-          </p:nvPr>
-        </p:nvSpPr>
-        <p:spPr>
-          <a:xfrm>
-            <a:off x="4447308" y="591344"/>
-            <a:ext cx="6906491" cy="5585619"/>
-          </a:xfrm>
-        </p:spPr>
-        <p:txBody>
-          <a:bodyPr anchor="ctr">
-            <a:normAutofit/>
-          </a:bodyPr>
-          <a:lstStyle/>
-          <a:p>
-            <a:pPr marL="0" indent="0">
-              <a:buNone/>
-            </a:pPr>
-            <a:r>
-              <a:rPr lang="en-US" dirty="0"/>
-              <a:t>There is a true 0 in ratio scale, while interval scale has only an arbitrary 0</a:t>
-            </a:r>
-          </a:p>
-          <a:p>
-            <a:r>
-              <a:rPr lang="en-US" dirty="0"/>
-              <a:t>TRUE</a:t>
-            </a:r>
-          </a:p>
-          <a:p>
-            <a:r>
-              <a:rPr lang="en-US" dirty="0"/>
-              <a:t>FALSE</a:t>
-            </a:r>
-          </a:p>
-        </p:txBody>
-      </p:sp>
-      <p:sp>
-        <p:nvSpPr>
-          <p:cNvPr id="4" name="Footer Placeholder 3">
-            <a:extLst>
-              <a:ext uri="{FF2B5EF4-FFF2-40B4-BE49-F238E27FC236}">
-                <a16:creationId xmlns:a16="http://schemas.microsoft.com/office/drawing/2014/main" id="{B954AE58-F842-4F3F-89A3-60CB8BB5A495}"/>
-              </a:ext>
-            </a:extLst>
-          </p:cNvPr>
-          <p:cNvSpPr>
-            <a:spLocks noGrp="1"/>
-          </p:cNvSpPr>
-          <p:nvPr>
-            <p:ph type="ftr" sz="quarter" idx="11"/>
-          </p:nvPr>
-        </p:nvSpPr>
-        <p:spPr>
-          <a:xfrm>
-            <a:off x="4038600" y="6356350"/>
-            <a:ext cx="5251174" cy="365125"/>
-          </a:xfrm>
-        </p:spPr>
-        <p:txBody>
-          <a:bodyPr>
-            <a:normAutofit/>
-          </a:bodyPr>
-          <a:lstStyle/>
-          <a:p>
-            <a:pPr>
-              <a:spcAft>
-                <a:spcPts val="600"/>
-              </a:spcAft>
-            </a:pPr>
-            <a:r>
-              <a:rPr lang="en-US"/>
-              <a:t>Mike Nguyen</a:t>
-            </a:r>
-          </a:p>
-        </p:txBody>
-      </p:sp>
-      <p:sp>
-        <p:nvSpPr>
-          <p:cNvPr id="5" name="Slide Number Placeholder 4">
-            <a:extLst>
-              <a:ext uri="{FF2B5EF4-FFF2-40B4-BE49-F238E27FC236}">
-                <a16:creationId xmlns:a16="http://schemas.microsoft.com/office/drawing/2014/main" id="{71E0EDB0-C3E8-4BD3-BDD9-5439F940223D}"/>
-              </a:ext>
-            </a:extLst>
-          </p:cNvPr>
-          <p:cNvSpPr>
-            <a:spLocks noGrp="1"/>
-          </p:cNvSpPr>
-          <p:nvPr>
-            <p:ph type="sldNum" sz="quarter" idx="12"/>
-          </p:nvPr>
-        </p:nvSpPr>
-        <p:spPr>
-          <a:xfrm>
-            <a:off x="9541564" y="6356350"/>
-            <a:ext cx="1812235" cy="365125"/>
-          </a:xfrm>
-        </p:spPr>
-        <p:txBody>
-          <a:bodyPr>
-            <a:normAutofit/>
-          </a:bodyPr>
-          <a:lstStyle/>
-          <a:p>
-            <a:pPr>
-              <a:spcAft>
-                <a:spcPts val="600"/>
-              </a:spcAft>
-            </a:pPr>
-            <a:fld id="{A6AF1B4E-90EC-4A51-B6E5-B702C054ECB0}" type="slidenum">
-              <a:rPr lang="en-US" smtClean="0"/>
-              <a:pPr>
-                <a:spcAft>
-                  <a:spcPts val="600"/>
-                </a:spcAft>
-              </a:pPr>
-              <a:t>5</a:t>
-            </a:fld>
-            <a:endParaRPr lang="en-US"/>
-          </a:p>
-        </p:txBody>
-      </p:sp>
-    </p:spTree>
-    <p:extLst>
-      <p:ext uri="{BB962C8B-B14F-4D97-AF65-F5344CB8AC3E}">
-        <p14:creationId xmlns:p14="http://schemas.microsoft.com/office/powerpoint/2010/main" val="2847017794"/>
       </p:ext>
     </p:extLst>
   </p:cSld>
@@ -43116,7 +43484,7 @@
               <a:buNone/>
             </a:pPr>
             <a:r>
-              <a:rPr lang="en-US" sz="2400"/>
+              <a:rPr lang="en-US" sz="2400" dirty="0"/>
               <a:t>What type of scale is this?</a:t>
             </a:r>
           </a:p>
@@ -43125,8 +43493,8 @@
               <a:buNone/>
             </a:pPr>
             <a:r>
-              <a:rPr lang="en-US" sz="2400"/>
-              <a:t>How many ounces of Coke do you consumer per day?</a:t>
+              <a:rPr lang="en-US" sz="2400" dirty="0"/>
+              <a:t>How many ounces of Coke do you consume per day?</a:t>
             </a:r>
           </a:p>
           <a:p>
@@ -43135,7 +43503,7 @@
               <a:buAutoNum type="alphaUcPeriod"/>
             </a:pPr>
             <a:r>
-              <a:rPr lang="en-US" sz="2400"/>
+              <a:rPr lang="en-US" sz="2400" dirty="0"/>
               <a:t>Nominal </a:t>
             </a:r>
           </a:p>
@@ -43145,7 +43513,7 @@
               <a:buAutoNum type="alphaUcPeriod"/>
             </a:pPr>
             <a:r>
-              <a:rPr lang="en-US" sz="2400"/>
+              <a:rPr lang="en-US" sz="2400" dirty="0"/>
               <a:t>Ordinal </a:t>
             </a:r>
           </a:p>
@@ -43155,7 +43523,7 @@
               <a:buAutoNum type="alphaUcPeriod"/>
             </a:pPr>
             <a:r>
-              <a:rPr lang="en-US" sz="2400"/>
+              <a:rPr lang="en-US" sz="2400" dirty="0"/>
               <a:t>Interval</a:t>
             </a:r>
           </a:p>
@@ -43165,7 +43533,7 @@
               <a:buAutoNum type="alphaUcPeriod"/>
             </a:pPr>
             <a:r>
-              <a:rPr lang="en-US" sz="2400"/>
+              <a:rPr lang="en-US" sz="2400" dirty="0"/>
               <a:t>Ratio</a:t>
             </a:r>
           </a:p>
@@ -45720,14 +46088,6 @@
 </file>
 
 <file path=customXml/item1.xml><?xml version="1.0" encoding="utf-8"?>
-<p:properties xmlns:p="http://schemas.microsoft.com/office/2006/metadata/properties" xmlns:xsi="http://www.w3.org/2001/XMLSchema-instance" xmlns:pc="http://schemas.microsoft.com/office/infopath/2007/PartnerControls">
-  <documentManagement>
-    <MediaServiceKeyPoints xmlns="71af3243-3dd4-4a8d-8c0d-dd76da1f02a5" xsi:nil="true"/>
-  </documentManagement>
-</p:properties>
-</file>
-
-<file path=customXml/item2.xml><?xml version="1.0" encoding="utf-8"?>
 <?mso-contentType ?>
 <FormTemplates xmlns="http://schemas.microsoft.com/sharepoint/v3/contenttype/forms">
   <Display>DocumentLibraryForm</Display>
@@ -45736,7 +46096,7 @@
 </FormTemplates>
 </file>
 
-<file path=customXml/item3.xml><?xml version="1.0" encoding="utf-8"?>
+<file path=customXml/item2.xml><?xml version="1.0" encoding="utf-8"?>
 <ct:contentTypeSchema xmlns:ct="http://schemas.microsoft.com/office/2006/metadata/contentType" xmlns:ma="http://schemas.microsoft.com/office/2006/metadata/properties/metaAttributes" ct:_="" ma:_="" ma:contentTypeName="Document" ma:contentTypeID="0x01010079F111ED35F8CC479449609E8A0923A6" ma:contentTypeVersion="11" ma:contentTypeDescription="Create a new document." ma:contentTypeScope="" ma:versionID="96291512c1ee715ab617f4c07df79fc1">
   <xsd:schema xmlns:xsd="http://www.w3.org/2001/XMLSchema" xmlns:xs="http://www.w3.org/2001/XMLSchema" xmlns:p="http://schemas.microsoft.com/office/2006/metadata/properties" xmlns:ns2="71af3243-3dd4-4a8d-8c0d-dd76da1f02a5" xmlns:ns3="16c05727-aa75-4e4a-9b5f-8a80a1165891" targetNamespace="http://schemas.microsoft.com/office/2006/metadata/properties" ma:root="true" ma:fieldsID="8256c27c40ca5c40ce1cf6c44f0205df" ns2:_="" ns3:_="">
     <xsd:import namespace="71af3243-3dd4-4a8d-8c0d-dd76da1f02a5"/>
@@ -45947,17 +46307,15 @@
 </ct:contentTypeSchema>
 </file>
 
-<file path=customXml/itemProps1.xml><?xml version="1.0" encoding="utf-8"?>
-<ds:datastoreItem xmlns:ds="http://schemas.openxmlformats.org/officeDocument/2006/customXml" ds:itemID="{03C7D9E6-B0D9-433E-BD46-EB60F64F4DA8}">
-  <ds:schemaRefs>
-    <ds:schemaRef ds:uri="http://schemas.microsoft.com/office/2006/metadata/properties"/>
-    <ds:schemaRef ds:uri="http://schemas.microsoft.com/office/infopath/2007/PartnerControls"/>
-    <ds:schemaRef ds:uri="71af3243-3dd4-4a8d-8c0d-dd76da1f02a5"/>
-  </ds:schemaRefs>
-</ds:datastoreItem>
+<file path=customXml/item3.xml><?xml version="1.0" encoding="utf-8"?>
+<p:properties xmlns:p="http://schemas.microsoft.com/office/2006/metadata/properties" xmlns:xsi="http://www.w3.org/2001/XMLSchema-instance" xmlns:pc="http://schemas.microsoft.com/office/infopath/2007/PartnerControls">
+  <documentManagement>
+    <MediaServiceKeyPoints xmlns="71af3243-3dd4-4a8d-8c0d-dd76da1f02a5" xsi:nil="true"/>
+  </documentManagement>
+</p:properties>
 </file>
 
-<file path=customXml/itemProps2.xml><?xml version="1.0" encoding="utf-8"?>
+<file path=customXml/itemProps1.xml><?xml version="1.0" encoding="utf-8"?>
 <ds:datastoreItem xmlns:ds="http://schemas.openxmlformats.org/officeDocument/2006/customXml" ds:itemID="{5CA875DA-F9FD-4F83-A049-3B1027B542DE}">
   <ds:schemaRefs>
     <ds:schemaRef ds:uri="http://schemas.microsoft.com/sharepoint/v3/contenttype/forms"/>
@@ -45965,7 +46323,7 @@
 </ds:datastoreItem>
 </file>
 
-<file path=customXml/itemProps3.xml><?xml version="1.0" encoding="utf-8"?>
+<file path=customXml/itemProps2.xml><?xml version="1.0" encoding="utf-8"?>
 <ds:datastoreItem xmlns:ds="http://schemas.openxmlformats.org/officeDocument/2006/customXml" ds:itemID="{B2AB02E3-5ADF-4BF0-9C1B-35CDF3FE95B0}">
   <ds:schemaRefs>
     <ds:schemaRef ds:uri="http://schemas.microsoft.com/office/2006/metadata/contentType"/>
@@ -45982,4 +46340,14 @@
     <ds:schemaRef ds:uri="http://schemas.microsoft.com/internal/obd"/>
   </ds:schemaRefs>
 </ds:datastoreItem>
+</file>
+
+<file path=customXml/itemProps3.xml><?xml version="1.0" encoding="utf-8"?>
+<ds:datastoreItem xmlns:ds="http://schemas.openxmlformats.org/officeDocument/2006/customXml" ds:itemID="{03C7D9E6-B0D9-433E-BD46-EB60F64F4DA8}">
+  <ds:schemaRefs>
+    <ds:schemaRef ds:uri="http://schemas.microsoft.com/office/2006/metadata/properties"/>
+    <ds:schemaRef ds:uri="http://schemas.microsoft.com/office/infopath/2007/PartnerControls"/>
+    <ds:schemaRef ds:uri="71af3243-3dd4-4a8d-8c0d-dd76da1f02a5"/>
+  </ds:schemaRefs>
+</ds:datastoreItem>
 </file>